--- a/Addressing HR Workforce Challenges/Background/Employee Tooltip.pptx
+++ b/Addressing HR Workforce Challenges/Background/Employee Tooltip.pptx
@@ -104,6 +104,11 @@
       </a:defRPr>
     </a:lvl9pPr>
   </p:defaultTextStyle>
+  <p:extLst>
+    <p:ext uri="{EFAFB233-063F-42B5-8137-9DF3F51BA10A}">
+      <p15:sldGuideLst xmlns:p15="http://schemas.microsoft.com/office/powerpoint/2012/main"/>
+    </p:ext>
+  </p:extLst>
 </p:presentation>
 </file>
 
@@ -238,7 +243,7 @@
           <a:p>
             <a:fld id="{DECB4C6C-BB2C-41B9-930D-3CC010C17A74}" type="datetimeFigureOut">
               <a:rPr lang="en-US" smtClean="0"/>
-              <a:t>5/28/2025</a:t>
+              <a:t>5/31/2025</a:t>
             </a:fld>
             <a:endParaRPr lang="en-US"/>
           </a:p>
@@ -408,7 +413,7 @@
           <a:p>
             <a:fld id="{DECB4C6C-BB2C-41B9-930D-3CC010C17A74}" type="datetimeFigureOut">
               <a:rPr lang="en-US" smtClean="0"/>
-              <a:t>5/28/2025</a:t>
+              <a:t>5/31/2025</a:t>
             </a:fld>
             <a:endParaRPr lang="en-US"/>
           </a:p>
@@ -588,7 +593,7 @@
           <a:p>
             <a:fld id="{DECB4C6C-BB2C-41B9-930D-3CC010C17A74}" type="datetimeFigureOut">
               <a:rPr lang="en-US" smtClean="0"/>
-              <a:t>5/28/2025</a:t>
+              <a:t>5/31/2025</a:t>
             </a:fld>
             <a:endParaRPr lang="en-US"/>
           </a:p>
@@ -758,7 +763,7 @@
           <a:p>
             <a:fld id="{DECB4C6C-BB2C-41B9-930D-3CC010C17A74}" type="datetimeFigureOut">
               <a:rPr lang="en-US" smtClean="0"/>
-              <a:t>5/28/2025</a:t>
+              <a:t>5/31/2025</a:t>
             </a:fld>
             <a:endParaRPr lang="en-US"/>
           </a:p>
@@ -1002,7 +1007,7 @@
           <a:p>
             <a:fld id="{DECB4C6C-BB2C-41B9-930D-3CC010C17A74}" type="datetimeFigureOut">
               <a:rPr lang="en-US" smtClean="0"/>
-              <a:t>5/28/2025</a:t>
+              <a:t>5/31/2025</a:t>
             </a:fld>
             <a:endParaRPr lang="en-US"/>
           </a:p>
@@ -1234,7 +1239,7 @@
           <a:p>
             <a:fld id="{DECB4C6C-BB2C-41B9-930D-3CC010C17A74}" type="datetimeFigureOut">
               <a:rPr lang="en-US" smtClean="0"/>
-              <a:t>5/28/2025</a:t>
+              <a:t>5/31/2025</a:t>
             </a:fld>
             <a:endParaRPr lang="en-US"/>
           </a:p>
@@ -1601,7 +1606,7 @@
           <a:p>
             <a:fld id="{DECB4C6C-BB2C-41B9-930D-3CC010C17A74}" type="datetimeFigureOut">
               <a:rPr lang="en-US" smtClean="0"/>
-              <a:t>5/28/2025</a:t>
+              <a:t>5/31/2025</a:t>
             </a:fld>
             <a:endParaRPr lang="en-US"/>
           </a:p>
@@ -1719,7 +1724,7 @@
           <a:p>
             <a:fld id="{DECB4C6C-BB2C-41B9-930D-3CC010C17A74}" type="datetimeFigureOut">
               <a:rPr lang="en-US" smtClean="0"/>
-              <a:t>5/28/2025</a:t>
+              <a:t>5/31/2025</a:t>
             </a:fld>
             <a:endParaRPr lang="en-US"/>
           </a:p>
@@ -1814,7 +1819,7 @@
           <a:p>
             <a:fld id="{DECB4C6C-BB2C-41B9-930D-3CC010C17A74}" type="datetimeFigureOut">
               <a:rPr lang="en-US" smtClean="0"/>
-              <a:t>5/28/2025</a:t>
+              <a:t>5/31/2025</a:t>
             </a:fld>
             <a:endParaRPr lang="en-US"/>
           </a:p>
@@ -2091,7 +2096,7 @@
           <a:p>
             <a:fld id="{DECB4C6C-BB2C-41B9-930D-3CC010C17A74}" type="datetimeFigureOut">
               <a:rPr lang="en-US" smtClean="0"/>
-              <a:t>5/28/2025</a:t>
+              <a:t>5/31/2025</a:t>
             </a:fld>
             <a:endParaRPr lang="en-US"/>
           </a:p>
@@ -2348,7 +2353,7 @@
           <a:p>
             <a:fld id="{DECB4C6C-BB2C-41B9-930D-3CC010C17A74}" type="datetimeFigureOut">
               <a:rPr lang="en-US" smtClean="0"/>
-              <a:t>5/28/2025</a:t>
+              <a:t>5/31/2025</a:t>
             </a:fld>
             <a:endParaRPr lang="en-US"/>
           </a:p>
@@ -2561,7 +2566,7 @@
           <a:p>
             <a:fld id="{DECB4C6C-BB2C-41B9-930D-3CC010C17A74}" type="datetimeFigureOut">
               <a:rPr lang="en-US" smtClean="0"/>
-              <a:t>5/28/2025</a:t>
+              <a:t>5/31/2025</a:t>
             </a:fld>
             <a:endParaRPr lang="en-US"/>
           </a:p>
@@ -3124,8 +3129,8 @@
         </p:blipFill>
         <p:spPr>
           <a:xfrm>
-            <a:off x="502405" y="155717"/>
-            <a:ext cx="1224643" cy="1224643"/>
+            <a:off x="635645" y="155718"/>
+            <a:ext cx="902355" cy="902355"/>
           </a:xfrm>
           <a:prstGeom prst="rect">
             <a:avLst/>
@@ -3146,7 +3151,7 @@
         </p:nvSpPr>
         <p:spPr>
           <a:xfrm>
-            <a:off x="290169" y="1447395"/>
+            <a:off x="290169" y="1047345"/>
             <a:ext cx="1649111" cy="799594"/>
           </a:xfrm>
           <a:prstGeom prst="roundRect">
@@ -3217,7 +3222,7 @@
         </p:nvSpPr>
         <p:spPr>
           <a:xfrm>
-            <a:off x="290169" y="2522011"/>
+            <a:off x="290169" y="1939928"/>
             <a:ext cx="1649111" cy="799594"/>
           </a:xfrm>
           <a:prstGeom prst="roundRect">
@@ -3288,7 +3293,7 @@
         </p:nvSpPr>
         <p:spPr>
           <a:xfrm>
-            <a:off x="290169" y="3596627"/>
+            <a:off x="290169" y="2832511"/>
             <a:ext cx="1649111" cy="799594"/>
           </a:xfrm>
           <a:prstGeom prst="roundRect">
@@ -3644,6 +3649,77 @@
         <p:spPr>
           <a:xfrm>
             <a:off x="2233267" y="1981453"/>
+            <a:ext cx="1649111" cy="799594"/>
+          </a:xfrm>
+          <a:prstGeom prst="roundRect">
+            <a:avLst>
+              <a:gd name="adj" fmla="val 11379"/>
+            </a:avLst>
+          </a:prstGeom>
+          <a:solidFill>
+            <a:schemeClr val="bg1"/>
+          </a:solidFill>
+          <a:ln>
+            <a:noFill/>
+          </a:ln>
+          <a:effectLst>
+            <a:outerShdw blurRad="50800" dist="38100" dir="18900000" algn="bl" rotWithShape="0">
+              <a:prstClr val="black">
+                <a:alpha val="40000"/>
+              </a:prstClr>
+            </a:outerShdw>
+          </a:effectLst>
+        </p:spPr>
+        <p:style>
+          <a:lnRef idx="2">
+            <a:schemeClr val="accent1">
+              <a:shade val="15000"/>
+            </a:schemeClr>
+          </a:lnRef>
+          <a:fillRef idx="1">
+            <a:schemeClr val="accent1"/>
+          </a:fillRef>
+          <a:effectRef idx="0">
+            <a:schemeClr val="accent1"/>
+          </a:effectRef>
+          <a:fontRef idx="minor">
+            <a:schemeClr val="lt1"/>
+          </a:fontRef>
+        </p:style>
+        <p:txBody>
+          <a:bodyPr rtlCol="0" anchor="ctr"/>
+          <a:lstStyle/>
+          <a:p>
+            <a:pPr algn="ctr"/>
+            <a:endParaRPr lang="en-US" sz="961" dirty="0">
+              <a:solidFill>
+                <a:schemeClr val="accent4">
+                  <a:lumMod val="60000"/>
+                  <a:lumOff val="40000"/>
+                </a:schemeClr>
+              </a:solidFill>
+              <a:highlight>
+                <a:srgbClr val="008000"/>
+              </a:highlight>
+            </a:endParaRPr>
+          </a:p>
+        </p:txBody>
+      </p:sp>
+      <p:sp>
+        <p:nvSpPr>
+          <p:cNvPr id="2" name="Rectangle: Rounded Corners 1">
+            <a:extLst>
+              <a:ext uri="{FF2B5EF4-FFF2-40B4-BE49-F238E27FC236}">
+                <a16:creationId xmlns:a16="http://schemas.microsoft.com/office/drawing/2014/main" id="{5E295D96-77F7-EF5E-5D6A-10BAF7FC9C30}"/>
+              </a:ext>
+            </a:extLst>
+          </p:cNvPr>
+          <p:cNvSpPr/>
+          <p:nvPr/>
+        </p:nvSpPr>
+        <p:spPr>
+          <a:xfrm>
+            <a:off x="290169" y="3725093"/>
             <a:ext cx="1649111" cy="799594"/>
           </a:xfrm>
           <a:prstGeom prst="roundRect">

--- a/Addressing HR Workforce Challenges/Background/Employee Tooltip.pptx
+++ b/Addressing HR Workforce Challenges/Background/Employee Tooltip.pptx
@@ -6,6 +6,7 @@
   </p:sldMasterIdLst>
   <p:sldIdLst>
     <p:sldId id="256" r:id="rId2"/>
+    <p:sldId id="257" r:id="rId3"/>
   </p:sldIdLst>
   <p:sldSz cx="4286250" cy="4762500"/>
   <p:notesSz cx="6858000" cy="9144000"/>
@@ -243,7 +244,7 @@
           <a:p>
             <a:fld id="{DECB4C6C-BB2C-41B9-930D-3CC010C17A74}" type="datetimeFigureOut">
               <a:rPr lang="en-US" smtClean="0"/>
-              <a:t>5/31/2025</a:t>
+              <a:t>6/1/2025</a:t>
             </a:fld>
             <a:endParaRPr lang="en-US"/>
           </a:p>
@@ -413,7 +414,7 @@
           <a:p>
             <a:fld id="{DECB4C6C-BB2C-41B9-930D-3CC010C17A74}" type="datetimeFigureOut">
               <a:rPr lang="en-US" smtClean="0"/>
-              <a:t>5/31/2025</a:t>
+              <a:t>6/1/2025</a:t>
             </a:fld>
             <a:endParaRPr lang="en-US"/>
           </a:p>
@@ -593,7 +594,7 @@
           <a:p>
             <a:fld id="{DECB4C6C-BB2C-41B9-930D-3CC010C17A74}" type="datetimeFigureOut">
               <a:rPr lang="en-US" smtClean="0"/>
-              <a:t>5/31/2025</a:t>
+              <a:t>6/1/2025</a:t>
             </a:fld>
             <a:endParaRPr lang="en-US"/>
           </a:p>
@@ -763,7 +764,7 @@
           <a:p>
             <a:fld id="{DECB4C6C-BB2C-41B9-930D-3CC010C17A74}" type="datetimeFigureOut">
               <a:rPr lang="en-US" smtClean="0"/>
-              <a:t>5/31/2025</a:t>
+              <a:t>6/1/2025</a:t>
             </a:fld>
             <a:endParaRPr lang="en-US"/>
           </a:p>
@@ -1007,7 +1008,7 @@
           <a:p>
             <a:fld id="{DECB4C6C-BB2C-41B9-930D-3CC010C17A74}" type="datetimeFigureOut">
               <a:rPr lang="en-US" smtClean="0"/>
-              <a:t>5/31/2025</a:t>
+              <a:t>6/1/2025</a:t>
             </a:fld>
             <a:endParaRPr lang="en-US"/>
           </a:p>
@@ -1239,7 +1240,7 @@
           <a:p>
             <a:fld id="{DECB4C6C-BB2C-41B9-930D-3CC010C17A74}" type="datetimeFigureOut">
               <a:rPr lang="en-US" smtClean="0"/>
-              <a:t>5/31/2025</a:t>
+              <a:t>6/1/2025</a:t>
             </a:fld>
             <a:endParaRPr lang="en-US"/>
           </a:p>
@@ -1606,7 +1607,7 @@
           <a:p>
             <a:fld id="{DECB4C6C-BB2C-41B9-930D-3CC010C17A74}" type="datetimeFigureOut">
               <a:rPr lang="en-US" smtClean="0"/>
-              <a:t>5/31/2025</a:t>
+              <a:t>6/1/2025</a:t>
             </a:fld>
             <a:endParaRPr lang="en-US"/>
           </a:p>
@@ -1724,7 +1725,7 @@
           <a:p>
             <a:fld id="{DECB4C6C-BB2C-41B9-930D-3CC010C17A74}" type="datetimeFigureOut">
               <a:rPr lang="en-US" smtClean="0"/>
-              <a:t>5/31/2025</a:t>
+              <a:t>6/1/2025</a:t>
             </a:fld>
             <a:endParaRPr lang="en-US"/>
           </a:p>
@@ -1819,7 +1820,7 @@
           <a:p>
             <a:fld id="{DECB4C6C-BB2C-41B9-930D-3CC010C17A74}" type="datetimeFigureOut">
               <a:rPr lang="en-US" smtClean="0"/>
-              <a:t>5/31/2025</a:t>
+              <a:t>6/1/2025</a:t>
             </a:fld>
             <a:endParaRPr lang="en-US"/>
           </a:p>
@@ -2096,7 +2097,7 @@
           <a:p>
             <a:fld id="{DECB4C6C-BB2C-41B9-930D-3CC010C17A74}" type="datetimeFigureOut">
               <a:rPr lang="en-US" smtClean="0"/>
-              <a:t>5/31/2025</a:t>
+              <a:t>6/1/2025</a:t>
             </a:fld>
             <a:endParaRPr lang="en-US"/>
           </a:p>
@@ -2353,7 +2354,7 @@
           <a:p>
             <a:fld id="{DECB4C6C-BB2C-41B9-930D-3CC010C17A74}" type="datetimeFigureOut">
               <a:rPr lang="en-US" smtClean="0"/>
-              <a:t>5/31/2025</a:t>
+              <a:t>6/1/2025</a:t>
             </a:fld>
             <a:endParaRPr lang="en-US"/>
           </a:p>
@@ -2566,7 +2567,7 @@
           <a:p>
             <a:fld id="{DECB4C6C-BB2C-41B9-930D-3CC010C17A74}" type="datetimeFigureOut">
               <a:rPr lang="en-US" smtClean="0"/>
-              <a:t>5/31/2025</a:t>
+              <a:t>6/1/2025</a:t>
             </a:fld>
             <a:endParaRPr lang="en-US"/>
           </a:p>
@@ -3789,6 +3790,826 @@
 </p:sld>
 </file>
 
+<file path=ppt/slides/slide2.xml><?xml version="1.0" encoding="utf-8"?>
+<p:sld xmlns:a="http://schemas.openxmlformats.org/drawingml/2006/main" xmlns:r="http://schemas.openxmlformats.org/officeDocument/2006/relationships" xmlns:p="http://schemas.openxmlformats.org/presentationml/2006/main">
+  <p:cSld>
+    <p:spTree>
+      <p:nvGrpSpPr>
+        <p:cNvPr id="1" name="">
+          <a:extLst>
+            <a:ext uri="{FF2B5EF4-FFF2-40B4-BE49-F238E27FC236}">
+              <a16:creationId xmlns:a16="http://schemas.microsoft.com/office/drawing/2014/main" id="{D526FF01-1176-0FCB-DD69-AAD4BD78857D}"/>
+            </a:ext>
+          </a:extLst>
+        </p:cNvPr>
+        <p:cNvGrpSpPr/>
+        <p:nvPr/>
+      </p:nvGrpSpPr>
+      <p:grpSpPr>
+        <a:xfrm>
+          <a:off x="0" y="0"/>
+          <a:ext cx="0" cy="0"/>
+          <a:chOff x="0" y="0"/>
+          <a:chExt cx="0" cy="0"/>
+        </a:xfrm>
+      </p:grpSpPr>
+      <p:sp>
+        <p:nvSpPr>
+          <p:cNvPr id="6" name="Rectangle: Rounded Corners 5">
+            <a:extLst>
+              <a:ext uri="{FF2B5EF4-FFF2-40B4-BE49-F238E27FC236}">
+                <a16:creationId xmlns:a16="http://schemas.microsoft.com/office/drawing/2014/main" id="{F9AF3D44-1445-9933-AEB2-3E2315B566AE}"/>
+              </a:ext>
+            </a:extLst>
+          </p:cNvPr>
+          <p:cNvSpPr/>
+          <p:nvPr/>
+        </p:nvSpPr>
+        <p:spPr>
+          <a:xfrm>
+            <a:off x="-2090209" y="0"/>
+            <a:ext cx="8466667" cy="4762500"/>
+          </a:xfrm>
+          <a:prstGeom prst="roundRect">
+            <a:avLst>
+              <a:gd name="adj" fmla="val 5212"/>
+            </a:avLst>
+          </a:prstGeom>
+          <a:solidFill>
+            <a:schemeClr val="bg1">
+              <a:lumMod val="95000"/>
+            </a:schemeClr>
+          </a:solidFill>
+          <a:ln>
+            <a:noFill/>
+          </a:ln>
+        </p:spPr>
+        <p:style>
+          <a:lnRef idx="2">
+            <a:schemeClr val="accent1">
+              <a:shade val="15000"/>
+            </a:schemeClr>
+          </a:lnRef>
+          <a:fillRef idx="1">
+            <a:schemeClr val="accent1"/>
+          </a:fillRef>
+          <a:effectRef idx="0">
+            <a:schemeClr val="accent1"/>
+          </a:effectRef>
+          <a:fontRef idx="minor">
+            <a:schemeClr val="lt1"/>
+          </a:fontRef>
+        </p:style>
+        <p:txBody>
+          <a:bodyPr rtlCol="0" anchor="ctr"/>
+          <a:lstStyle/>
+          <a:p>
+            <a:pPr algn="ctr"/>
+            <a:endParaRPr lang="en-US" sz="2500"/>
+          </a:p>
+        </p:txBody>
+      </p:sp>
+      <p:sp>
+        <p:nvSpPr>
+          <p:cNvPr id="29" name="Rectangle: Diagonal Corners Rounded 28">
+            <a:extLst>
+              <a:ext uri="{FF2B5EF4-FFF2-40B4-BE49-F238E27FC236}">
+                <a16:creationId xmlns:a16="http://schemas.microsoft.com/office/drawing/2014/main" id="{A8F11613-07EA-0C2F-2697-84E998775EB1}"/>
+              </a:ext>
+            </a:extLst>
+          </p:cNvPr>
+          <p:cNvSpPr/>
+          <p:nvPr/>
+        </p:nvSpPr>
+        <p:spPr>
+          <a:xfrm>
+            <a:off x="123348" y="155717"/>
+            <a:ext cx="1982756" cy="4451067"/>
+          </a:xfrm>
+          <a:prstGeom prst="round2DiagRect">
+            <a:avLst/>
+          </a:prstGeom>
+          <a:solidFill>
+            <a:srgbClr val="002060"/>
+          </a:solidFill>
+          <a:ln>
+            <a:noFill/>
+          </a:ln>
+        </p:spPr>
+        <p:style>
+          <a:lnRef idx="2">
+            <a:schemeClr val="accent1">
+              <a:shade val="15000"/>
+            </a:schemeClr>
+          </a:lnRef>
+          <a:fillRef idx="1">
+            <a:schemeClr val="accent1"/>
+          </a:fillRef>
+          <a:effectRef idx="0">
+            <a:schemeClr val="accent1"/>
+          </a:effectRef>
+          <a:fontRef idx="minor">
+            <a:schemeClr val="lt1"/>
+          </a:fontRef>
+        </p:style>
+        <p:txBody>
+          <a:bodyPr rtlCol="0" anchor="ctr"/>
+          <a:lstStyle/>
+          <a:p>
+            <a:pPr algn="ctr"/>
+            <a:endParaRPr lang="en-US" sz="2500"/>
+          </a:p>
+        </p:txBody>
+      </p:sp>
+      <p:sp>
+        <p:nvSpPr>
+          <p:cNvPr id="5" name="Rectangle: Rounded Corners 4">
+            <a:extLst>
+              <a:ext uri="{FF2B5EF4-FFF2-40B4-BE49-F238E27FC236}">
+                <a16:creationId xmlns:a16="http://schemas.microsoft.com/office/drawing/2014/main" id="{B55EB309-27D0-26A1-5324-554FEE8B04ED}"/>
+              </a:ext>
+            </a:extLst>
+          </p:cNvPr>
+          <p:cNvSpPr/>
+          <p:nvPr/>
+        </p:nvSpPr>
+        <p:spPr>
+          <a:xfrm>
+            <a:off x="290169" y="1047345"/>
+            <a:ext cx="1649111" cy="799594"/>
+          </a:xfrm>
+          <a:prstGeom prst="roundRect">
+            <a:avLst>
+              <a:gd name="adj" fmla="val 11379"/>
+            </a:avLst>
+          </a:prstGeom>
+          <a:solidFill>
+            <a:schemeClr val="bg1"/>
+          </a:solidFill>
+          <a:ln>
+            <a:noFill/>
+          </a:ln>
+          <a:effectLst>
+            <a:outerShdw blurRad="50800" dist="38100" dir="18900000" algn="bl" rotWithShape="0">
+              <a:prstClr val="black">
+                <a:alpha val="40000"/>
+              </a:prstClr>
+            </a:outerShdw>
+          </a:effectLst>
+        </p:spPr>
+        <p:style>
+          <a:lnRef idx="2">
+            <a:schemeClr val="accent1">
+              <a:shade val="15000"/>
+            </a:schemeClr>
+          </a:lnRef>
+          <a:fillRef idx="1">
+            <a:schemeClr val="accent1"/>
+          </a:fillRef>
+          <a:effectRef idx="0">
+            <a:schemeClr val="accent1"/>
+          </a:effectRef>
+          <a:fontRef idx="minor">
+            <a:schemeClr val="lt1"/>
+          </a:fontRef>
+        </p:style>
+        <p:txBody>
+          <a:bodyPr rtlCol="0" anchor="ctr"/>
+          <a:lstStyle/>
+          <a:p>
+            <a:pPr algn="ctr"/>
+            <a:endParaRPr lang="en-US" sz="961" dirty="0">
+              <a:solidFill>
+                <a:schemeClr val="accent4">
+                  <a:lumMod val="60000"/>
+                  <a:lumOff val="40000"/>
+                </a:schemeClr>
+              </a:solidFill>
+              <a:highlight>
+                <a:srgbClr val="008000"/>
+              </a:highlight>
+            </a:endParaRPr>
+          </a:p>
+        </p:txBody>
+      </p:sp>
+      <p:sp>
+        <p:nvSpPr>
+          <p:cNvPr id="30" name="Rectangle: Rounded Corners 29">
+            <a:extLst>
+              <a:ext uri="{FF2B5EF4-FFF2-40B4-BE49-F238E27FC236}">
+                <a16:creationId xmlns:a16="http://schemas.microsoft.com/office/drawing/2014/main" id="{C730B0CB-AF67-B393-F2C9-91BACF4A510A}"/>
+              </a:ext>
+            </a:extLst>
+          </p:cNvPr>
+          <p:cNvSpPr/>
+          <p:nvPr/>
+        </p:nvSpPr>
+        <p:spPr>
+          <a:xfrm>
+            <a:off x="290169" y="1939928"/>
+            <a:ext cx="1649111" cy="799594"/>
+          </a:xfrm>
+          <a:prstGeom prst="roundRect">
+            <a:avLst>
+              <a:gd name="adj" fmla="val 11379"/>
+            </a:avLst>
+          </a:prstGeom>
+          <a:solidFill>
+            <a:schemeClr val="bg1"/>
+          </a:solidFill>
+          <a:ln>
+            <a:noFill/>
+          </a:ln>
+          <a:effectLst>
+            <a:outerShdw blurRad="50800" dist="38100" dir="18900000" algn="bl" rotWithShape="0">
+              <a:prstClr val="black">
+                <a:alpha val="40000"/>
+              </a:prstClr>
+            </a:outerShdw>
+          </a:effectLst>
+        </p:spPr>
+        <p:style>
+          <a:lnRef idx="2">
+            <a:schemeClr val="accent1">
+              <a:shade val="15000"/>
+            </a:schemeClr>
+          </a:lnRef>
+          <a:fillRef idx="1">
+            <a:schemeClr val="accent1"/>
+          </a:fillRef>
+          <a:effectRef idx="0">
+            <a:schemeClr val="accent1"/>
+          </a:effectRef>
+          <a:fontRef idx="minor">
+            <a:schemeClr val="lt1"/>
+          </a:fontRef>
+        </p:style>
+        <p:txBody>
+          <a:bodyPr rtlCol="0" anchor="ctr"/>
+          <a:lstStyle/>
+          <a:p>
+            <a:pPr algn="ctr"/>
+            <a:endParaRPr lang="en-US" sz="961" dirty="0">
+              <a:solidFill>
+                <a:schemeClr val="accent4">
+                  <a:lumMod val="60000"/>
+                  <a:lumOff val="40000"/>
+                </a:schemeClr>
+              </a:solidFill>
+              <a:highlight>
+                <a:srgbClr val="008000"/>
+              </a:highlight>
+            </a:endParaRPr>
+          </a:p>
+        </p:txBody>
+      </p:sp>
+      <p:sp>
+        <p:nvSpPr>
+          <p:cNvPr id="31" name="Rectangle: Rounded Corners 30">
+            <a:extLst>
+              <a:ext uri="{FF2B5EF4-FFF2-40B4-BE49-F238E27FC236}">
+                <a16:creationId xmlns:a16="http://schemas.microsoft.com/office/drawing/2014/main" id="{2DC8ADFC-5E60-A52A-53FC-28D5741611D9}"/>
+              </a:ext>
+            </a:extLst>
+          </p:cNvPr>
+          <p:cNvSpPr/>
+          <p:nvPr/>
+        </p:nvSpPr>
+        <p:spPr>
+          <a:xfrm>
+            <a:off x="290169" y="2832511"/>
+            <a:ext cx="1649111" cy="799594"/>
+          </a:xfrm>
+          <a:prstGeom prst="roundRect">
+            <a:avLst>
+              <a:gd name="adj" fmla="val 11379"/>
+            </a:avLst>
+          </a:prstGeom>
+          <a:solidFill>
+            <a:schemeClr val="bg1"/>
+          </a:solidFill>
+          <a:ln>
+            <a:noFill/>
+          </a:ln>
+          <a:effectLst>
+            <a:outerShdw blurRad="50800" dist="38100" dir="18900000" algn="bl" rotWithShape="0">
+              <a:prstClr val="black">
+                <a:alpha val="40000"/>
+              </a:prstClr>
+            </a:outerShdw>
+          </a:effectLst>
+        </p:spPr>
+        <p:style>
+          <a:lnRef idx="2">
+            <a:schemeClr val="accent1">
+              <a:shade val="15000"/>
+            </a:schemeClr>
+          </a:lnRef>
+          <a:fillRef idx="1">
+            <a:schemeClr val="accent1"/>
+          </a:fillRef>
+          <a:effectRef idx="0">
+            <a:schemeClr val="accent1"/>
+          </a:effectRef>
+          <a:fontRef idx="minor">
+            <a:schemeClr val="lt1"/>
+          </a:fontRef>
+        </p:style>
+        <p:txBody>
+          <a:bodyPr rtlCol="0" anchor="ctr"/>
+          <a:lstStyle/>
+          <a:p>
+            <a:pPr algn="ctr"/>
+            <a:endParaRPr lang="en-US" sz="961" dirty="0">
+              <a:solidFill>
+                <a:schemeClr val="accent4">
+                  <a:lumMod val="60000"/>
+                  <a:lumOff val="40000"/>
+                </a:schemeClr>
+              </a:solidFill>
+              <a:highlight>
+                <a:srgbClr val="008000"/>
+              </a:highlight>
+            </a:endParaRPr>
+          </a:p>
+        </p:txBody>
+      </p:sp>
+      <p:sp>
+        <p:nvSpPr>
+          <p:cNvPr id="33" name="Rectangle: Rounded Corners 32">
+            <a:extLst>
+              <a:ext uri="{FF2B5EF4-FFF2-40B4-BE49-F238E27FC236}">
+                <a16:creationId xmlns:a16="http://schemas.microsoft.com/office/drawing/2014/main" id="{26DA9E80-E579-D5D9-96D4-AC42FD94B612}"/>
+              </a:ext>
+            </a:extLst>
+          </p:cNvPr>
+          <p:cNvSpPr/>
+          <p:nvPr/>
+        </p:nvSpPr>
+        <p:spPr>
+          <a:xfrm>
+            <a:off x="2233269" y="155717"/>
+            <a:ext cx="1649111" cy="799594"/>
+          </a:xfrm>
+          <a:prstGeom prst="roundRect">
+            <a:avLst>
+              <a:gd name="adj" fmla="val 11379"/>
+            </a:avLst>
+          </a:prstGeom>
+          <a:solidFill>
+            <a:schemeClr val="bg1"/>
+          </a:solidFill>
+          <a:ln>
+            <a:noFill/>
+          </a:ln>
+          <a:effectLst>
+            <a:outerShdw blurRad="50800" dist="38100" dir="18900000" algn="bl" rotWithShape="0">
+              <a:prstClr val="black">
+                <a:alpha val="40000"/>
+              </a:prstClr>
+            </a:outerShdw>
+          </a:effectLst>
+        </p:spPr>
+        <p:style>
+          <a:lnRef idx="2">
+            <a:schemeClr val="accent1">
+              <a:shade val="15000"/>
+            </a:schemeClr>
+          </a:lnRef>
+          <a:fillRef idx="1">
+            <a:schemeClr val="accent1"/>
+          </a:fillRef>
+          <a:effectRef idx="0">
+            <a:schemeClr val="accent1"/>
+          </a:effectRef>
+          <a:fontRef idx="minor">
+            <a:schemeClr val="lt1"/>
+          </a:fontRef>
+        </p:style>
+        <p:txBody>
+          <a:bodyPr rtlCol="0" anchor="ctr"/>
+          <a:lstStyle/>
+          <a:p>
+            <a:pPr algn="ctr"/>
+            <a:endParaRPr lang="en-US" sz="961" dirty="0">
+              <a:solidFill>
+                <a:schemeClr val="accent4">
+                  <a:lumMod val="60000"/>
+                  <a:lumOff val="40000"/>
+                </a:schemeClr>
+              </a:solidFill>
+              <a:highlight>
+                <a:srgbClr val="008000"/>
+              </a:highlight>
+            </a:endParaRPr>
+          </a:p>
+        </p:txBody>
+      </p:sp>
+      <p:sp>
+        <p:nvSpPr>
+          <p:cNvPr id="34" name="Rectangle: Rounded Corners 33">
+            <a:extLst>
+              <a:ext uri="{FF2B5EF4-FFF2-40B4-BE49-F238E27FC236}">
+                <a16:creationId xmlns:a16="http://schemas.microsoft.com/office/drawing/2014/main" id="{61AFEECA-7A71-B920-F95A-F64E503324F6}"/>
+              </a:ext>
+            </a:extLst>
+          </p:cNvPr>
+          <p:cNvSpPr/>
+          <p:nvPr/>
+        </p:nvSpPr>
+        <p:spPr>
+          <a:xfrm>
+            <a:off x="2233269" y="1068585"/>
+            <a:ext cx="1649111" cy="799594"/>
+          </a:xfrm>
+          <a:prstGeom prst="roundRect">
+            <a:avLst>
+              <a:gd name="adj" fmla="val 11379"/>
+            </a:avLst>
+          </a:prstGeom>
+          <a:solidFill>
+            <a:schemeClr val="bg1"/>
+          </a:solidFill>
+          <a:ln>
+            <a:noFill/>
+          </a:ln>
+          <a:effectLst>
+            <a:outerShdw blurRad="50800" dist="38100" dir="18900000" algn="bl" rotWithShape="0">
+              <a:prstClr val="black">
+                <a:alpha val="40000"/>
+              </a:prstClr>
+            </a:outerShdw>
+          </a:effectLst>
+        </p:spPr>
+        <p:style>
+          <a:lnRef idx="2">
+            <a:schemeClr val="accent1">
+              <a:shade val="15000"/>
+            </a:schemeClr>
+          </a:lnRef>
+          <a:fillRef idx="1">
+            <a:schemeClr val="accent1"/>
+          </a:fillRef>
+          <a:effectRef idx="0">
+            <a:schemeClr val="accent1"/>
+          </a:effectRef>
+          <a:fontRef idx="minor">
+            <a:schemeClr val="lt1"/>
+          </a:fontRef>
+        </p:style>
+        <p:txBody>
+          <a:bodyPr rtlCol="0" anchor="ctr"/>
+          <a:lstStyle/>
+          <a:p>
+            <a:pPr algn="ctr"/>
+            <a:endParaRPr lang="en-US" sz="961" dirty="0">
+              <a:solidFill>
+                <a:schemeClr val="accent4">
+                  <a:lumMod val="60000"/>
+                  <a:lumOff val="40000"/>
+                </a:schemeClr>
+              </a:solidFill>
+              <a:highlight>
+                <a:srgbClr val="008000"/>
+              </a:highlight>
+            </a:endParaRPr>
+          </a:p>
+        </p:txBody>
+      </p:sp>
+      <p:sp>
+        <p:nvSpPr>
+          <p:cNvPr id="35" name="Rectangle: Rounded Corners 34">
+            <a:extLst>
+              <a:ext uri="{FF2B5EF4-FFF2-40B4-BE49-F238E27FC236}">
+                <a16:creationId xmlns:a16="http://schemas.microsoft.com/office/drawing/2014/main" id="{A47B5C63-314A-4ED2-CA41-0BDD3ACC4B25}"/>
+              </a:ext>
+            </a:extLst>
+          </p:cNvPr>
+          <p:cNvSpPr/>
+          <p:nvPr/>
+        </p:nvSpPr>
+        <p:spPr>
+          <a:xfrm>
+            <a:off x="2233268" y="3807189"/>
+            <a:ext cx="1649111" cy="799594"/>
+          </a:xfrm>
+          <a:prstGeom prst="roundRect">
+            <a:avLst>
+              <a:gd name="adj" fmla="val 11379"/>
+            </a:avLst>
+          </a:prstGeom>
+          <a:solidFill>
+            <a:schemeClr val="bg1"/>
+          </a:solidFill>
+          <a:ln>
+            <a:noFill/>
+          </a:ln>
+          <a:effectLst>
+            <a:outerShdw blurRad="50800" dist="38100" dir="18900000" algn="bl" rotWithShape="0">
+              <a:prstClr val="black">
+                <a:alpha val="40000"/>
+              </a:prstClr>
+            </a:outerShdw>
+          </a:effectLst>
+        </p:spPr>
+        <p:style>
+          <a:lnRef idx="2">
+            <a:schemeClr val="accent1">
+              <a:shade val="15000"/>
+            </a:schemeClr>
+          </a:lnRef>
+          <a:fillRef idx="1">
+            <a:schemeClr val="accent1"/>
+          </a:fillRef>
+          <a:effectRef idx="0">
+            <a:schemeClr val="accent1"/>
+          </a:effectRef>
+          <a:fontRef idx="minor">
+            <a:schemeClr val="lt1"/>
+          </a:fontRef>
+        </p:style>
+        <p:txBody>
+          <a:bodyPr rtlCol="0" anchor="ctr"/>
+          <a:lstStyle/>
+          <a:p>
+            <a:pPr algn="ctr"/>
+            <a:endParaRPr lang="en-US" sz="961" dirty="0">
+              <a:solidFill>
+                <a:schemeClr val="accent4">
+                  <a:lumMod val="60000"/>
+                  <a:lumOff val="40000"/>
+                </a:schemeClr>
+              </a:solidFill>
+              <a:highlight>
+                <a:srgbClr val="008000"/>
+              </a:highlight>
+            </a:endParaRPr>
+          </a:p>
+        </p:txBody>
+      </p:sp>
+      <p:sp>
+        <p:nvSpPr>
+          <p:cNvPr id="36" name="Rectangle: Rounded Corners 35">
+            <a:extLst>
+              <a:ext uri="{FF2B5EF4-FFF2-40B4-BE49-F238E27FC236}">
+                <a16:creationId xmlns:a16="http://schemas.microsoft.com/office/drawing/2014/main" id="{EE1F81F3-4DAD-1B3C-3B7B-DF9709869759}"/>
+              </a:ext>
+            </a:extLst>
+          </p:cNvPr>
+          <p:cNvSpPr/>
+          <p:nvPr/>
+        </p:nvSpPr>
+        <p:spPr>
+          <a:xfrm>
+            <a:off x="2233267" y="2894321"/>
+            <a:ext cx="1649111" cy="799594"/>
+          </a:xfrm>
+          <a:prstGeom prst="roundRect">
+            <a:avLst>
+              <a:gd name="adj" fmla="val 11379"/>
+            </a:avLst>
+          </a:prstGeom>
+          <a:solidFill>
+            <a:schemeClr val="bg1"/>
+          </a:solidFill>
+          <a:ln>
+            <a:noFill/>
+          </a:ln>
+          <a:effectLst>
+            <a:outerShdw blurRad="50800" dist="38100" dir="18900000" algn="bl" rotWithShape="0">
+              <a:prstClr val="black">
+                <a:alpha val="40000"/>
+              </a:prstClr>
+            </a:outerShdw>
+          </a:effectLst>
+        </p:spPr>
+        <p:style>
+          <a:lnRef idx="2">
+            <a:schemeClr val="accent1">
+              <a:shade val="15000"/>
+            </a:schemeClr>
+          </a:lnRef>
+          <a:fillRef idx="1">
+            <a:schemeClr val="accent1"/>
+          </a:fillRef>
+          <a:effectRef idx="0">
+            <a:schemeClr val="accent1"/>
+          </a:effectRef>
+          <a:fontRef idx="minor">
+            <a:schemeClr val="lt1"/>
+          </a:fontRef>
+        </p:style>
+        <p:txBody>
+          <a:bodyPr rtlCol="0" anchor="ctr"/>
+          <a:lstStyle/>
+          <a:p>
+            <a:pPr algn="ctr"/>
+            <a:endParaRPr lang="en-US" sz="961" dirty="0">
+              <a:solidFill>
+                <a:schemeClr val="accent4">
+                  <a:lumMod val="60000"/>
+                  <a:lumOff val="40000"/>
+                </a:schemeClr>
+              </a:solidFill>
+              <a:highlight>
+                <a:srgbClr val="008000"/>
+              </a:highlight>
+            </a:endParaRPr>
+          </a:p>
+        </p:txBody>
+      </p:sp>
+      <p:sp>
+        <p:nvSpPr>
+          <p:cNvPr id="37" name="Rectangle: Rounded Corners 36">
+            <a:extLst>
+              <a:ext uri="{FF2B5EF4-FFF2-40B4-BE49-F238E27FC236}">
+                <a16:creationId xmlns:a16="http://schemas.microsoft.com/office/drawing/2014/main" id="{2D2D79DC-7B87-BEDC-B600-63E07538A3D6}"/>
+              </a:ext>
+            </a:extLst>
+          </p:cNvPr>
+          <p:cNvSpPr/>
+          <p:nvPr/>
+        </p:nvSpPr>
+        <p:spPr>
+          <a:xfrm>
+            <a:off x="2233267" y="1981453"/>
+            <a:ext cx="1649111" cy="799594"/>
+          </a:xfrm>
+          <a:prstGeom prst="roundRect">
+            <a:avLst>
+              <a:gd name="adj" fmla="val 11379"/>
+            </a:avLst>
+          </a:prstGeom>
+          <a:solidFill>
+            <a:schemeClr val="bg1"/>
+          </a:solidFill>
+          <a:ln>
+            <a:noFill/>
+          </a:ln>
+          <a:effectLst>
+            <a:outerShdw blurRad="50800" dist="38100" dir="18900000" algn="bl" rotWithShape="0">
+              <a:prstClr val="black">
+                <a:alpha val="40000"/>
+              </a:prstClr>
+            </a:outerShdw>
+          </a:effectLst>
+        </p:spPr>
+        <p:style>
+          <a:lnRef idx="2">
+            <a:schemeClr val="accent1">
+              <a:shade val="15000"/>
+            </a:schemeClr>
+          </a:lnRef>
+          <a:fillRef idx="1">
+            <a:schemeClr val="accent1"/>
+          </a:fillRef>
+          <a:effectRef idx="0">
+            <a:schemeClr val="accent1"/>
+          </a:effectRef>
+          <a:fontRef idx="minor">
+            <a:schemeClr val="lt1"/>
+          </a:fontRef>
+        </p:style>
+        <p:txBody>
+          <a:bodyPr rtlCol="0" anchor="ctr"/>
+          <a:lstStyle/>
+          <a:p>
+            <a:pPr algn="ctr"/>
+            <a:endParaRPr lang="en-US" sz="961" dirty="0">
+              <a:solidFill>
+                <a:schemeClr val="accent4">
+                  <a:lumMod val="60000"/>
+                  <a:lumOff val="40000"/>
+                </a:schemeClr>
+              </a:solidFill>
+              <a:highlight>
+                <a:srgbClr val="008000"/>
+              </a:highlight>
+            </a:endParaRPr>
+          </a:p>
+        </p:txBody>
+      </p:sp>
+      <p:sp>
+        <p:nvSpPr>
+          <p:cNvPr id="2" name="Rectangle: Rounded Corners 1">
+            <a:extLst>
+              <a:ext uri="{FF2B5EF4-FFF2-40B4-BE49-F238E27FC236}">
+                <a16:creationId xmlns:a16="http://schemas.microsoft.com/office/drawing/2014/main" id="{A0610E12-EBD4-8433-75BD-E7015B9B9AAA}"/>
+              </a:ext>
+            </a:extLst>
+          </p:cNvPr>
+          <p:cNvSpPr/>
+          <p:nvPr/>
+        </p:nvSpPr>
+        <p:spPr>
+          <a:xfrm>
+            <a:off x="290169" y="3725093"/>
+            <a:ext cx="1649111" cy="799594"/>
+          </a:xfrm>
+          <a:prstGeom prst="roundRect">
+            <a:avLst>
+              <a:gd name="adj" fmla="val 11379"/>
+            </a:avLst>
+          </a:prstGeom>
+          <a:solidFill>
+            <a:schemeClr val="bg1"/>
+          </a:solidFill>
+          <a:ln>
+            <a:noFill/>
+          </a:ln>
+          <a:effectLst>
+            <a:outerShdw blurRad="50800" dist="38100" dir="18900000" algn="bl" rotWithShape="0">
+              <a:prstClr val="black">
+                <a:alpha val="40000"/>
+              </a:prstClr>
+            </a:outerShdw>
+          </a:effectLst>
+        </p:spPr>
+        <p:style>
+          <a:lnRef idx="2">
+            <a:schemeClr val="accent1">
+              <a:shade val="15000"/>
+            </a:schemeClr>
+          </a:lnRef>
+          <a:fillRef idx="1">
+            <a:schemeClr val="accent1"/>
+          </a:fillRef>
+          <a:effectRef idx="0">
+            <a:schemeClr val="accent1"/>
+          </a:effectRef>
+          <a:fontRef idx="minor">
+            <a:schemeClr val="lt1"/>
+          </a:fontRef>
+        </p:style>
+        <p:txBody>
+          <a:bodyPr rtlCol="0" anchor="ctr"/>
+          <a:lstStyle/>
+          <a:p>
+            <a:pPr algn="ctr"/>
+            <a:endParaRPr lang="en-US" sz="961" dirty="0">
+              <a:solidFill>
+                <a:schemeClr val="accent4">
+                  <a:lumMod val="60000"/>
+                  <a:lumOff val="40000"/>
+                </a:schemeClr>
+              </a:solidFill>
+              <a:highlight>
+                <a:srgbClr val="008000"/>
+              </a:highlight>
+            </a:endParaRPr>
+          </a:p>
+        </p:txBody>
+      </p:sp>
+      <p:pic>
+        <p:nvPicPr>
+          <p:cNvPr id="4" name="Picture 3" descr="A black background with a black square&#10;&#10;AI-generated content may be incorrect.">
+            <a:extLst>
+              <a:ext uri="{FF2B5EF4-FFF2-40B4-BE49-F238E27FC236}">
+                <a16:creationId xmlns:a16="http://schemas.microsoft.com/office/drawing/2014/main" id="{1512D33D-E239-5A0F-17DC-CE14BCB271ED}"/>
+              </a:ext>
+            </a:extLst>
+          </p:cNvPr>
+          <p:cNvPicPr>
+            <a:picLocks noChangeAspect="1"/>
+          </p:cNvPicPr>
+          <p:nvPr/>
+        </p:nvPicPr>
+        <p:blipFill>
+          <a:blip r:embed="rId2">
+            <a:lum bright="70000" contrast="-70000"/>
+            <a:extLst>
+              <a:ext uri="{28A0092B-C50C-407E-A947-70E740481C1C}">
+                <a14:useLocalDpi xmlns:a14="http://schemas.microsoft.com/office/drawing/2010/main" val="0"/>
+              </a:ext>
+            </a:extLst>
+          </a:blip>
+          <a:stretch>
+            <a:fillRect/>
+          </a:stretch>
+        </p:blipFill>
+        <p:spPr>
+          <a:xfrm>
+            <a:off x="730549" y="196898"/>
+            <a:ext cx="768350" cy="768350"/>
+          </a:xfrm>
+          <a:prstGeom prst="rect">
+            <a:avLst/>
+          </a:prstGeom>
+        </p:spPr>
+      </p:pic>
+    </p:spTree>
+    <p:extLst>
+      <p:ext uri="{BB962C8B-B14F-4D97-AF65-F5344CB8AC3E}">
+        <p14:creationId xmlns:p14="http://schemas.microsoft.com/office/powerpoint/2010/main" val="553802203"/>
+      </p:ext>
+    </p:extLst>
+  </p:cSld>
+  <p:clrMapOvr>
+    <a:masterClrMapping/>
+  </p:clrMapOvr>
+</p:sld>
+</file>
+
 <file path=ppt/theme/theme1.xml><?xml version="1.0" encoding="utf-8"?>
 <a:theme xmlns:a="http://schemas.openxmlformats.org/drawingml/2006/main" name="Office 2013 - 2022 Theme">
   <a:themeElements>
